--- a/Projet11/CahierDesCharges-fonctionnel.pptx
+++ b/Projet11/CahierDesCharges-fonctionnel.pptx
@@ -18411,37 +18411,6 @@
               </a:rPr>
             </a:br>
             <a:r>
-              <a:rPr lang="fr-FR" dirty="0">
-                <a:latin typeface="Montserrat"/>
-                <a:ea typeface="Montserrat"/>
-                <a:cs typeface="Montserrat"/>
-                <a:sym typeface="Montserrat"/>
-              </a:rPr>
-              <a:t>1 au minimum dans chaque catégorie : </a:t>
-            </a:r>
-            <a:endParaRPr dirty="0">
-              <a:latin typeface="Montserrat"/>
-              <a:ea typeface="Montserrat"/>
-              <a:cs typeface="Montserrat"/>
-              <a:sym typeface="Montserrat"/>
-            </a:endParaRPr>
-          </a:p>
-          <a:p>
-            <a:pPr marL="914400" lvl="0" indent="-317500" algn="l" rtl="0">
-              <a:lnSpc>
-                <a:spcPct val="150000"/>
-              </a:lnSpc>
-              <a:spcBef>
-                <a:spcPts val="0"/>
-              </a:spcBef>
-              <a:spcAft>
-                <a:spcPts val="0"/>
-              </a:spcAft>
-              <a:buSzPts val="1400"/>
-              <a:buFont typeface="Montserrat"/>
-              <a:buAutoNum type="arabicPeriod"/>
-            </a:pPr>
-            <a:r>
               <a:rPr lang="fr-FR" sz="2400" dirty="0">
                 <a:latin typeface="Montserrat"/>
                 <a:ea typeface="Montserrat"/>
@@ -19795,7 +19764,7 @@
           </a:bodyPr>
           <a:lstStyle/>
           <a:p>
-            <a:pPr marL="228600" lvl="0" indent="-228600" algn="l" rtl="0">
+            <a:pPr marL="228600" lvl="0" indent="-228600" rtl="0">
               <a:lnSpc>
                 <a:spcPct val="90000"/>
               </a:lnSpc>
@@ -19823,7 +19792,32 @@
             </a:r>
           </a:p>
           <a:p>
-            <a:pPr marL="228600" lvl="0" indent="-228600" algn="l" rtl="0">
+            <a:pPr marL="228600" lvl="0" indent="-228600" rtl="0">
+              <a:lnSpc>
+                <a:spcPct val="90000"/>
+              </a:lnSpc>
+              <a:spcBef>
+                <a:spcPts val="0"/>
+              </a:spcBef>
+              <a:spcAft>
+                <a:spcPts val="0"/>
+              </a:spcAft>
+              <a:buClr>
+                <a:schemeClr val="dk1"/>
+              </a:buClr>
+              <a:buSzPts val="2800"/>
+              <a:buFont typeface="Montserrat"/>
+              <a:buChar char="•"/>
+            </a:pPr>
+            <a:endParaRPr lang="fr-FR" dirty="0">
+              <a:latin typeface="Montserrat"/>
+              <a:ea typeface="Montserrat"/>
+              <a:cs typeface="Montserrat"/>
+              <a:sym typeface="Montserrat"/>
+            </a:endParaRPr>
+          </a:p>
+          <a:p>
+            <a:pPr marL="228600" lvl="0" indent="-228600" rtl="0">
               <a:lnSpc>
                 <a:spcPct val="90000"/>
               </a:lnSpc>
@@ -19851,7 +19845,32 @@
             </a:r>
           </a:p>
           <a:p>
-            <a:pPr marL="228600" lvl="0" indent="-228600" algn="l" rtl="0">
+            <a:pPr marL="228600" lvl="0" indent="-228600" rtl="0">
+              <a:lnSpc>
+                <a:spcPct val="90000"/>
+              </a:lnSpc>
+              <a:spcBef>
+                <a:spcPts val="0"/>
+              </a:spcBef>
+              <a:spcAft>
+                <a:spcPts val="0"/>
+              </a:spcAft>
+              <a:buClr>
+                <a:schemeClr val="dk1"/>
+              </a:buClr>
+              <a:buSzPts val="2800"/>
+              <a:buFont typeface="Montserrat"/>
+              <a:buChar char="•"/>
+            </a:pPr>
+            <a:endParaRPr lang="fr-FR" dirty="0">
+              <a:latin typeface="Montserrat"/>
+              <a:ea typeface="Montserrat"/>
+              <a:cs typeface="Montserrat"/>
+              <a:sym typeface="Montserrat"/>
+            </a:endParaRPr>
+          </a:p>
+          <a:p>
+            <a:pPr marL="228600" lvl="0" indent="-228600" rtl="0">
               <a:lnSpc>
                 <a:spcPct val="90000"/>
               </a:lnSpc>
@@ -19875,7 +19894,7 @@
                 <a:cs typeface="Montserrat"/>
                 <a:sym typeface="Montserrat"/>
               </a:rPr>
-              <a:t>Mise à disposition en ligne des livrables réalisés au cours de la formation afin de justifier les connaissances acquises.</a:t>
+              <a:t>Mise à disposition des livrables réalisés au cours de la formation afin de justifier les connaissances acquises.</a:t>
             </a:r>
             <a:endParaRPr dirty="0">
               <a:latin typeface="Montserrat"/>
@@ -20000,7 +20019,7 @@
         </p:spPr>
         <p:txBody>
           <a:bodyPr spcFirstLastPara="1" wrap="square" lIns="91425" tIns="45700" rIns="91425" bIns="45700" anchor="t" anchorCtr="0">
-            <a:normAutofit fontScale="85000" lnSpcReduction="20000"/>
+            <a:normAutofit fontScale="70000" lnSpcReduction="20000"/>
           </a:bodyPr>
           <a:lstStyle/>
           <a:p>
@@ -20022,7 +20041,7 @@
               <a:buChar char="•"/>
             </a:pPr>
             <a:r>
-              <a:rPr lang="fr-FR" dirty="0">
+              <a:rPr lang="fr-FR" b="1" dirty="0">
                 <a:latin typeface="Montserrat"/>
                 <a:ea typeface="Montserrat"/>
                 <a:cs typeface="Montserrat"/>
@@ -20069,7 +20088,7 @@
               <a:buChar char="•"/>
             </a:pPr>
             <a:r>
-              <a:rPr lang="fr-FR" dirty="0">
+              <a:rPr lang="fr-FR" b="1" dirty="0">
                 <a:latin typeface="Montserrat"/>
                 <a:ea typeface="Montserrat"/>
                 <a:cs typeface="Montserrat"/>
@@ -20094,7 +20113,7 @@
                 <a:cs typeface="Montserrat"/>
                 <a:sym typeface="Montserrat"/>
               </a:rPr>
-              <a:t>Les données sont sensibles et ont besoin d’être bien stockées, bien protégées. L’analyse des données permet de garantir l’amélioration continue, tant au niveau des process internes que pour les produits</a:t>
+              <a:t>Les données sont sensibles et ont besoin d’être bien stockées, bien protégées. L’analyse des données permet de garantir l’amélioration continue, tant au niveau des produits que des process internes</a:t>
             </a:r>
             <a:endParaRPr dirty="0">
               <a:latin typeface="Montserrat"/>
@@ -20122,7 +20141,7 @@
               <a:buChar char="•"/>
             </a:pPr>
             <a:r>
-              <a:rPr lang="fr-FR" dirty="0">
+              <a:rPr lang="fr-FR" b="1" dirty="0">
                 <a:latin typeface="Montserrat"/>
                 <a:ea typeface="Montserrat"/>
                 <a:cs typeface="Montserrat"/>
@@ -20141,24 +20160,14 @@
               <a:buChar char="•"/>
             </a:pPr>
             <a:r>
-              <a:rPr lang="fr-FR" dirty="0">
+              <a:rPr lang="fr-FR" b="1" dirty="0">
                 <a:latin typeface="Montserrat"/>
                 <a:ea typeface="Montserrat"/>
                 <a:cs typeface="Montserrat"/>
                 <a:sym typeface="Montserrat"/>
               </a:rPr>
-              <a:t>S : mise à disposition de tous les éléments souhaités pour répondre à l’offre d’emploi</a:t>
+              <a:t>Spécifique</a:t>
             </a:r>
-          </a:p>
-          <a:p>
-            <a:pPr marL="685800" lvl="1" indent="-228600">
-              <a:spcBef>
-                <a:spcPts val="1000"/>
-              </a:spcBef>
-              <a:buSzPts val="2800"/>
-              <a:buFont typeface="Montserrat"/>
-              <a:buChar char="•"/>
-            </a:pPr>
             <a:r>
               <a:rPr lang="fr-FR" dirty="0">
                 <a:latin typeface="Montserrat"/>
@@ -20166,7 +20175,7 @@
                 <a:cs typeface="Montserrat"/>
                 <a:sym typeface="Montserrat"/>
               </a:rPr>
-              <a:t>M : 10 projets lors de la formation + 6 livrables souhaités par le client</a:t>
+              <a:t> : mise à disposition de tous les éléments souhaités pour répondre à l’offre d’emploi</a:t>
             </a:r>
           </a:p>
           <a:p>
@@ -20178,6 +20187,15 @@
               <a:buFont typeface="Montserrat"/>
               <a:buChar char="•"/>
             </a:pPr>
+            <a:r>
+              <a:rPr lang="fr-FR" b="1" dirty="0">
+                <a:latin typeface="Montserrat"/>
+                <a:ea typeface="Montserrat"/>
+                <a:cs typeface="Montserrat"/>
+                <a:sym typeface="Montserrat"/>
+              </a:rPr>
+              <a:t>Mesurable</a:t>
+            </a:r>
             <a:r>
               <a:rPr lang="fr-FR" dirty="0">
                 <a:latin typeface="Montserrat"/>
@@ -20185,7 +20203,7 @@
                 <a:cs typeface="Montserrat"/>
                 <a:sym typeface="Montserrat"/>
               </a:rPr>
-              <a:t>A : Restitution des compétences acquises, pas de lacunes à première vue</a:t>
+              <a:t> : 11 projets dont 6 livrables liés au projet 11 (projet portfolio)</a:t>
             </a:r>
           </a:p>
           <a:p>
@@ -20197,6 +20215,15 @@
               <a:buFont typeface="Montserrat"/>
               <a:buChar char="•"/>
             </a:pPr>
+            <a:r>
+              <a:rPr lang="fr-FR" b="1" dirty="0">
+                <a:latin typeface="Montserrat"/>
+                <a:ea typeface="Montserrat"/>
+                <a:cs typeface="Montserrat"/>
+                <a:sym typeface="Montserrat"/>
+              </a:rPr>
+              <a:t>Atteignable</a:t>
+            </a:r>
             <a:r>
               <a:rPr lang="fr-FR" dirty="0">
                 <a:latin typeface="Montserrat"/>
@@ -20204,7 +20231,7 @@
                 <a:cs typeface="Montserrat"/>
                 <a:sym typeface="Montserrat"/>
               </a:rPr>
-              <a:t>R : Tous les outils sont à disposition</a:t>
+              <a:t> : Restitution de toutes les compétences acquises au cours de cette formation</a:t>
             </a:r>
           </a:p>
           <a:p>
@@ -20216,6 +20243,15 @@
               <a:buFont typeface="Montserrat"/>
               <a:buChar char="•"/>
             </a:pPr>
+            <a:r>
+              <a:rPr lang="fr-FR" b="1" dirty="0">
+                <a:latin typeface="Montserrat"/>
+                <a:ea typeface="Montserrat"/>
+                <a:cs typeface="Montserrat"/>
+                <a:sym typeface="Montserrat"/>
+              </a:rPr>
+              <a:t>Réaliste</a:t>
+            </a:r>
             <a:r>
               <a:rPr lang="fr-FR" dirty="0">
                 <a:latin typeface="Montserrat"/>
@@ -20223,7 +20259,35 @@
                 <a:cs typeface="Montserrat"/>
                 <a:sym typeface="Montserrat"/>
               </a:rPr>
-              <a:t>T : 30 jours pour finir ce projet</a:t>
+              <a:t> : Tous les outils sont à disposition</a:t>
+            </a:r>
+          </a:p>
+          <a:p>
+            <a:pPr marL="685800" lvl="1" indent="-228600">
+              <a:spcBef>
+                <a:spcPts val="1000"/>
+              </a:spcBef>
+              <a:buSzPts val="2800"/>
+              <a:buFont typeface="Montserrat"/>
+              <a:buChar char="•"/>
+            </a:pPr>
+            <a:r>
+              <a:rPr lang="fr-FR" b="1" dirty="0">
+                <a:latin typeface="Montserrat"/>
+                <a:ea typeface="Montserrat"/>
+                <a:cs typeface="Montserrat"/>
+                <a:sym typeface="Montserrat"/>
+              </a:rPr>
+              <a:t>Temporel</a:t>
+            </a:r>
+            <a:r>
+              <a:rPr lang="fr-FR" dirty="0">
+                <a:latin typeface="Montserrat"/>
+                <a:ea typeface="Montserrat"/>
+                <a:cs typeface="Montserrat"/>
+                <a:sym typeface="Montserrat"/>
+              </a:rPr>
+              <a:t> : 30 jours pour finir ce projet</a:t>
             </a:r>
             <a:endParaRPr dirty="0">
               <a:latin typeface="Montserrat"/>
@@ -20760,7 +20824,7 @@
                 <a:cs typeface="Montserrat"/>
                 <a:sym typeface="Montserrat"/>
               </a:rPr>
-              <a:t>Utilisation de Tableau </a:t>
+              <a:t>Page </a:t>
             </a:r>
             <a:r>
               <a:rPr lang="fr-FR" dirty="0" err="1">
@@ -20769,7 +20833,7 @@
                 <a:cs typeface="Montserrat"/>
                 <a:sym typeface="Montserrat"/>
               </a:rPr>
-              <a:t>commme</a:t>
+              <a:t>readme</a:t>
             </a:r>
             <a:r>
               <a:rPr lang="fr-FR" dirty="0">
@@ -20778,7 +20842,7 @@
                 <a:cs typeface="Montserrat"/>
                 <a:sym typeface="Montserrat"/>
               </a:rPr>
-              <a:t> tableau de bord de portfolio</a:t>
+              <a:t> permettant d’avoir une vue d’ensemble des objectifs de chaque projet.</a:t>
             </a:r>
             <a:br>
               <a:rPr lang="fr-FR" dirty="0">
@@ -20835,7 +20899,7 @@
                 <a:cs typeface="Montserrat"/>
                 <a:sym typeface="Montserrat"/>
               </a:rPr>
-              <a:t>Pour la présentation Tableau : </a:t>
+              <a:t>2 Repository :</a:t>
             </a:r>
           </a:p>
           <a:p>
@@ -20853,11 +20917,11 @@
                 <a:cs typeface="Montserrat"/>
                 <a:sym typeface="Montserrat"/>
               </a:rPr>
-              <a:t>1 page axé curriculum vitae</a:t>
+              <a:t>Un regroupant l’ensemble des projets de la formation</a:t>
             </a:r>
           </a:p>
           <a:p>
-            <a:pPr marL="1143000" lvl="2" indent="-165100">
+            <a:pPr marL="1600200" lvl="3" indent="-165100">
               <a:spcBef>
                 <a:spcPts val="0"/>
               </a:spcBef>
@@ -20871,8 +20935,23 @@
                 <a:cs typeface="Montserrat"/>
                 <a:sym typeface="Montserrat"/>
               </a:rPr>
-              <a:t>1 page axé réalisation</a:t>
+              <a:t>Division en 11 projets + 1 fichier </a:t>
             </a:r>
+            <a:r>
+              <a:rPr lang="fr-FR" dirty="0" err="1">
+                <a:latin typeface="Montserrat"/>
+                <a:ea typeface="Montserrat"/>
+                <a:cs typeface="Montserrat"/>
+                <a:sym typeface="Montserrat"/>
+              </a:rPr>
+              <a:t>readme</a:t>
+            </a:r>
+            <a:endParaRPr lang="fr-FR" dirty="0">
+              <a:latin typeface="Montserrat"/>
+              <a:ea typeface="Montserrat"/>
+              <a:cs typeface="Montserrat"/>
+              <a:sym typeface="Montserrat"/>
+            </a:endParaRPr>
           </a:p>
           <a:p>
             <a:pPr marL="1143000" lvl="2" indent="-165100">
@@ -20889,58 +20968,7 @@
                 <a:cs typeface="Montserrat"/>
                 <a:sym typeface="Montserrat"/>
               </a:rPr>
-              <a:t>3 liens d’accès rapide : CV, </a:t>
-            </a:r>
-            <a:r>
-              <a:rPr lang="fr-FR" dirty="0" err="1">
-                <a:latin typeface="Montserrat"/>
-                <a:ea typeface="Montserrat"/>
-                <a:cs typeface="Montserrat"/>
-                <a:sym typeface="Montserrat"/>
-              </a:rPr>
-              <a:t>Github</a:t>
-            </a:r>
-            <a:r>
-              <a:rPr lang="fr-FR" dirty="0">
-                <a:latin typeface="Montserrat"/>
-                <a:ea typeface="Montserrat"/>
-                <a:cs typeface="Montserrat"/>
-                <a:sym typeface="Montserrat"/>
-              </a:rPr>
-              <a:t> et </a:t>
-            </a:r>
-            <a:r>
-              <a:rPr lang="fr-FR" dirty="0" err="1">
-                <a:latin typeface="Montserrat"/>
-                <a:ea typeface="Montserrat"/>
-                <a:cs typeface="Montserrat"/>
-                <a:sym typeface="Montserrat"/>
-              </a:rPr>
-              <a:t>Linkedin</a:t>
-            </a:r>
-            <a:endParaRPr lang="fr-FR" dirty="0">
-              <a:latin typeface="Montserrat"/>
-              <a:ea typeface="Montserrat"/>
-              <a:cs typeface="Montserrat"/>
-              <a:sym typeface="Montserrat"/>
-            </a:endParaRPr>
-          </a:p>
-          <a:p>
-            <a:pPr marL="685800" lvl="1" indent="-165100">
-              <a:spcBef>
-                <a:spcPts val="0"/>
-              </a:spcBef>
-              <a:buFont typeface="Montserrat"/>
-              <a:buChar char="•"/>
-            </a:pPr>
-            <a:r>
-              <a:rPr lang="fr-FR" dirty="0">
-                <a:latin typeface="Montserrat"/>
-                <a:ea typeface="Montserrat"/>
-                <a:cs typeface="Montserrat"/>
-                <a:sym typeface="Montserrat"/>
-              </a:rPr>
-              <a:t>Pour le lien </a:t>
+              <a:t>Un permettant la personnalisation de la page </a:t>
             </a:r>
             <a:r>
               <a:rPr lang="fr-FR" dirty="0" err="1">
@@ -20966,24 +20994,6 @@
               <a:buFont typeface="Montserrat"/>
               <a:buChar char="•"/>
             </a:pPr>
-            <a:r>
-              <a:rPr lang="fr-FR" dirty="0">
-                <a:latin typeface="Montserrat"/>
-                <a:ea typeface="Montserrat"/>
-                <a:cs typeface="Montserrat"/>
-                <a:sym typeface="Montserrat"/>
-              </a:rPr>
-              <a:t>Séparation des livrables en plusieurs parties : 1 partie = 1 projet </a:t>
-            </a:r>
-            <a:r>
-              <a:rPr lang="fr-FR" dirty="0" err="1">
-                <a:latin typeface="Montserrat"/>
-                <a:ea typeface="Montserrat"/>
-                <a:cs typeface="Montserrat"/>
-                <a:sym typeface="Montserrat"/>
-              </a:rPr>
-              <a:t>Openclassrooms</a:t>
-            </a:r>
             <a:endParaRPr lang="fr-FR" dirty="0">
               <a:latin typeface="Montserrat"/>
               <a:ea typeface="Montserrat"/>
@@ -21122,7 +21132,7 @@
         </p:spPr>
         <p:txBody>
           <a:bodyPr spcFirstLastPara="1" wrap="square" lIns="91425" tIns="45700" rIns="91425" bIns="45700" anchor="t" anchorCtr="0">
-            <a:normAutofit lnSpcReduction="10000"/>
+            <a:normAutofit/>
           </a:bodyPr>
           <a:lstStyle/>
           <a:p>
@@ -21174,21 +21184,14 @@
                 <a:cs typeface="Montserrat"/>
                 <a:sym typeface="Montserrat"/>
               </a:rPr>
-              <a:t>Utilisation de Tableau Desktop pour le portfolio</a:t>
+              <a:t>Mise à disposition de tous les livrables dans chaque dossier du repository de la formation</a:t>
             </a:r>
           </a:p>
           <a:p>
-            <a:pPr marL="685800" lvl="1" indent="-228600" algn="l" rtl="0">
-              <a:lnSpc>
-                <a:spcPct val="90000"/>
-              </a:lnSpc>
+            <a:pPr marL="685800" lvl="1" indent="-228600">
               <a:spcBef>
                 <a:spcPts val="1000"/>
               </a:spcBef>
-              <a:spcAft>
-                <a:spcPts val="0"/>
-              </a:spcAft>
-              <a:buSzPts val="1800"/>
               <a:buFont typeface="Montserrat"/>
               <a:buChar char="•"/>
             </a:pPr>
@@ -21199,21 +21202,14 @@
                 <a:cs typeface="Montserrat"/>
                 <a:sym typeface="Montserrat"/>
               </a:rPr>
-              <a:t>Mise en place de liens hypertextes pour être redirigé sur des annexes hébergées en ligne</a:t>
+              <a:t>Utilisation de liens hypertextes pour mener : </a:t>
             </a:r>
           </a:p>
           <a:p>
-            <a:pPr marL="685800" lvl="1" indent="-228600" algn="l" rtl="0">
-              <a:lnSpc>
-                <a:spcPct val="90000"/>
-              </a:lnSpc>
+            <a:pPr marL="1143000" lvl="2" indent="-228600">
               <a:spcBef>
                 <a:spcPts val="1000"/>
               </a:spcBef>
-              <a:spcAft>
-                <a:spcPts val="0"/>
-              </a:spcAft>
-              <a:buSzPts val="1800"/>
               <a:buFont typeface="Montserrat"/>
               <a:buChar char="•"/>
             </a:pPr>
@@ -21224,21 +21220,29 @@
                 <a:cs typeface="Montserrat"/>
                 <a:sym typeface="Montserrat"/>
               </a:rPr>
-              <a:t>2 pages pour deux utilisations différentes</a:t>
+              <a:t>A la vidéo de formation </a:t>
             </a:r>
+            <a:r>
+              <a:rPr lang="fr-FR" dirty="0" err="1">
+                <a:latin typeface="Montserrat"/>
+                <a:ea typeface="Montserrat"/>
+                <a:cs typeface="Montserrat"/>
+                <a:sym typeface="Montserrat"/>
+              </a:rPr>
+              <a:t>Youtube</a:t>
+            </a:r>
+            <a:endParaRPr lang="fr-FR" dirty="0">
+              <a:latin typeface="Montserrat"/>
+              <a:ea typeface="Montserrat"/>
+              <a:cs typeface="Montserrat"/>
+              <a:sym typeface="Montserrat"/>
+            </a:endParaRPr>
           </a:p>
           <a:p>
-            <a:pPr marL="685800" lvl="1" indent="-228600" algn="l" rtl="0">
-              <a:lnSpc>
-                <a:spcPct val="90000"/>
-              </a:lnSpc>
+            <a:pPr marL="1143000" lvl="2" indent="-228600">
               <a:spcBef>
                 <a:spcPts val="1000"/>
               </a:spcBef>
-              <a:spcAft>
-                <a:spcPts val="0"/>
-              </a:spcAft>
-              <a:buSzPts val="1800"/>
               <a:buFont typeface="Montserrat"/>
               <a:buChar char="•"/>
             </a:pPr>
@@ -21249,66 +21253,8 @@
                 <a:cs typeface="Montserrat"/>
                 <a:sym typeface="Montserrat"/>
               </a:rPr>
-              <a:t>Prise en compte de la législation française et européenne (RGPD) : </a:t>
+              <a:t>A mon profil sur Tableau Public</a:t>
             </a:r>
-          </a:p>
-          <a:p>
-            <a:pPr marL="1143000" lvl="2" indent="-228600">
-              <a:spcBef>
-                <a:spcPts val="1000"/>
-              </a:spcBef>
-              <a:buFont typeface="Montserrat"/>
-              <a:buChar char="•"/>
-            </a:pPr>
-            <a:r>
-              <a:rPr lang="fr-FR" dirty="0">
-                <a:latin typeface="Montserrat"/>
-                <a:ea typeface="Montserrat"/>
-                <a:cs typeface="Montserrat"/>
-                <a:sym typeface="Montserrat"/>
-              </a:rPr>
-              <a:t>mise à disposition des données uniquement à des fins de recherches d’emploi</a:t>
-            </a:r>
-          </a:p>
-          <a:p>
-            <a:pPr marL="1143000" lvl="2" indent="-228600">
-              <a:spcBef>
-                <a:spcPts val="1000"/>
-              </a:spcBef>
-              <a:buFont typeface="Montserrat"/>
-              <a:buChar char="•"/>
-            </a:pPr>
-            <a:r>
-              <a:rPr lang="fr-FR" dirty="0">
-                <a:latin typeface="Montserrat"/>
-                <a:ea typeface="Montserrat"/>
-                <a:cs typeface="Montserrat"/>
-                <a:sym typeface="Montserrat"/>
-              </a:rPr>
-              <a:t>utilisation de bases de données fictives fournies par l’organisme de formation</a:t>
-            </a:r>
-            <a:endParaRPr dirty="0">
-              <a:latin typeface="Montserrat"/>
-              <a:ea typeface="Montserrat"/>
-              <a:cs typeface="Montserrat"/>
-              <a:sym typeface="Montserrat"/>
-            </a:endParaRPr>
-          </a:p>
-          <a:p>
-            <a:pPr marL="228600" lvl="0" indent="0" algn="l" rtl="0">
-              <a:lnSpc>
-                <a:spcPct val="90000"/>
-              </a:lnSpc>
-              <a:spcBef>
-                <a:spcPts val="1000"/>
-              </a:spcBef>
-              <a:spcAft>
-                <a:spcPts val="1000"/>
-              </a:spcAft>
-              <a:buSzPts val="1800"/>
-              <a:buNone/>
-            </a:pPr>
-            <a:endParaRPr dirty="0"/>
           </a:p>
         </p:txBody>
       </p:sp>
@@ -21605,7 +21551,97 @@
                 <a:cs typeface="Montserrat"/>
                 <a:sym typeface="Montserrat"/>
               </a:rPr>
-              <a:t>Respect du RGPD : conservation des données uniquement à des fins de recherche d’emploi – Présence de données fictives, confiées par l’organisme de formation</a:t>
+              <a:t>Respect du RGPD : </a:t>
+            </a:r>
+          </a:p>
+          <a:p>
+            <a:pPr marL="1143000" lvl="2" indent="-228600">
+              <a:spcBef>
+                <a:spcPts val="1000"/>
+              </a:spcBef>
+              <a:buFont typeface="Montserrat"/>
+              <a:buChar char="•"/>
+            </a:pPr>
+            <a:r>
+              <a:rPr lang="fr-FR" dirty="0">
+                <a:latin typeface="Montserrat"/>
+                <a:ea typeface="Montserrat"/>
+                <a:cs typeface="Montserrat"/>
+                <a:sym typeface="Montserrat"/>
+              </a:rPr>
+              <a:t>conservation des données uniquement à des fins de recherche d’emploi</a:t>
+            </a:r>
+          </a:p>
+          <a:p>
+            <a:pPr marL="1143000" lvl="2" indent="-228600">
+              <a:spcBef>
+                <a:spcPts val="1000"/>
+              </a:spcBef>
+              <a:buFont typeface="Montserrat"/>
+              <a:buChar char="•"/>
+            </a:pPr>
+            <a:r>
+              <a:rPr lang="fr-FR" dirty="0">
+                <a:latin typeface="Montserrat"/>
+                <a:ea typeface="Montserrat"/>
+                <a:cs typeface="Montserrat"/>
+                <a:sym typeface="Montserrat"/>
+              </a:rPr>
+              <a:t>Utilisation </a:t>
+            </a:r>
+            <a:r>
+              <a:rPr lang="fr-FR" dirty="0" err="1">
+                <a:latin typeface="Montserrat"/>
+                <a:ea typeface="Montserrat"/>
+                <a:cs typeface="Montserrat"/>
+                <a:sym typeface="Montserrat"/>
+              </a:rPr>
+              <a:t>dedonnées</a:t>
+            </a:r>
+            <a:r>
+              <a:rPr lang="fr-FR" dirty="0">
+                <a:latin typeface="Montserrat"/>
+                <a:ea typeface="Montserrat"/>
+                <a:cs typeface="Montserrat"/>
+                <a:sym typeface="Montserrat"/>
+              </a:rPr>
+              <a:t> fictives, confiées par l’organisme de formation</a:t>
+            </a:r>
+          </a:p>
+          <a:p>
+            <a:pPr marL="1143000" lvl="2" indent="-228600">
+              <a:spcBef>
+                <a:spcPts val="1000"/>
+              </a:spcBef>
+              <a:buFont typeface="Montserrat"/>
+              <a:buChar char="•"/>
+            </a:pPr>
+            <a:r>
+              <a:rPr lang="fr-FR" dirty="0">
+                <a:latin typeface="Montserrat"/>
+                <a:ea typeface="Montserrat"/>
+                <a:cs typeface="Montserrat"/>
+                <a:sym typeface="Montserrat"/>
+              </a:rPr>
+              <a:t>Utilisation de données issues du site </a:t>
+            </a:r>
+            <a:r>
+              <a:rPr lang="fr-FR" dirty="0" err="1">
+                <a:latin typeface="Montserrat"/>
+                <a:ea typeface="Montserrat"/>
+                <a:cs typeface="Montserrat"/>
+                <a:sym typeface="Montserrat"/>
+              </a:rPr>
+              <a:t>Kaggle</a:t>
+            </a:r>
+            <a:r>
+              <a:rPr lang="fr-FR" dirty="0">
+                <a:latin typeface="Montserrat"/>
+                <a:ea typeface="Montserrat"/>
+                <a:cs typeface="Montserrat"/>
+                <a:sym typeface="Montserrat"/>
+              </a:rPr>
+              <a:t> pour le tutoriel vidéo</a:t>
             </a:r>
             <a:endParaRPr dirty="0">
               <a:latin typeface="Montserrat"/>
@@ -21802,7 +21838,7 @@
                 <a:cs typeface="Montserrat"/>
                 <a:sym typeface="Montserrat"/>
               </a:rPr>
-              <a:t>temps : 30 jours</a:t>
+              <a:t>Temps : 30 jours</a:t>
             </a:r>
             <a:endParaRPr dirty="0">
               <a:latin typeface="Montserrat"/>
@@ -21833,7 +21869,7 @@
                 <a:cs typeface="Montserrat"/>
                 <a:sym typeface="Montserrat"/>
               </a:rPr>
-              <a:t>budget : 0 €</a:t>
+              <a:t>Budget : 0 €</a:t>
             </a:r>
             <a:endParaRPr dirty="0">
               <a:latin typeface="Montserrat"/>
@@ -21864,7 +21900,7 @@
                 <a:cs typeface="Montserrat"/>
                 <a:sym typeface="Montserrat"/>
               </a:rPr>
-              <a:t>règles fournies par le client : livrables essentiels + justification des acquis par la mise à disposition des livrables liés à la formation </a:t>
+              <a:t>Règles fournies par le client : livrables essentiels + justification des acquis par la mise à disposition des livrables liés à la formation </a:t>
             </a:r>
             <a:endParaRPr dirty="0">
               <a:latin typeface="Montserrat"/>

--- a/Projet11/CahierDesCharges-fonctionnel.pptx
+++ b/Projet11/CahierDesCharges-fonctionnel.pptx
@@ -1207,7 +1207,7 @@
       </dsp:nvSpPr>
       <dsp:spPr>
         <a:xfrm rot="16200000">
-          <a:off x="2082800" y="1247197"/>
+          <a:off x="1441779" y="1247197"/>
           <a:ext cx="2640965" cy="1613909"/>
         </a:xfrm>
         <a:prstGeom prst="round2SameRect">
@@ -1280,7 +1280,7 @@
         </a:p>
       </dsp:txBody>
       <dsp:txXfrm rot="5400000">
-        <a:off x="2675127" y="812468"/>
+        <a:off x="2034106" y="812468"/>
         <a:ext cx="1535110" cy="2483367"/>
       </dsp:txXfrm>
     </dsp:sp>
@@ -1291,7 +1291,7 @@
       </dsp:nvSpPr>
       <dsp:spPr>
         <a:xfrm rot="5400000">
-          <a:off x="3769994" y="1247197"/>
+          <a:off x="3128974" y="1247197"/>
           <a:ext cx="2640965" cy="1613909"/>
         </a:xfrm>
         <a:prstGeom prst="round2SameRect">
@@ -1364,7 +1364,7 @@
         </a:p>
       </dsp:txBody>
       <dsp:txXfrm rot="-5400000">
-        <a:off x="4283522" y="812469"/>
+        <a:off x="3642502" y="812469"/>
         <a:ext cx="1535110" cy="2483367"/>
       </dsp:txXfrm>
     </dsp:sp>
@@ -1375,7 +1375,7 @@
       </dsp:nvSpPr>
       <dsp:spPr>
         <a:xfrm>
-          <a:off x="3403117" y="0"/>
+          <a:off x="2762097" y="0"/>
           <a:ext cx="1687194" cy="1687112"/>
         </a:xfrm>
         <a:prstGeom prst="circularArrow">
@@ -1430,7 +1430,7 @@
       </dsp:nvSpPr>
       <dsp:spPr>
         <a:xfrm rot="10800000">
-          <a:off x="3403117" y="2420781"/>
+          <a:off x="2762097" y="2420781"/>
           <a:ext cx="1687194" cy="1687112"/>
         </a:xfrm>
         <a:prstGeom prst="circularArrow">
@@ -3445,8 +3445,8 @@
         </p:nvSpPr>
         <p:spPr>
           <a:xfrm>
-            <a:off x="1143225" y="685800"/>
-            <a:ext cx="4572225" cy="3429000"/>
+            <a:off x="381000" y="685800"/>
+            <a:ext cx="6096000" cy="3429000"/>
           </a:xfrm>
           <a:custGeom>
             <a:avLst/>
@@ -18183,7 +18183,7 @@
               <a:buNone/>
             </a:pPr>
             <a:r>
-              <a:rPr lang="fr-FR" b="1">
+              <a:rPr lang="fr-FR" b="1" dirty="0">
                 <a:latin typeface="Montserrat"/>
                 <a:ea typeface="Montserrat"/>
                 <a:cs typeface="Montserrat"/>
@@ -18191,7 +18191,7 @@
               </a:rPr>
               <a:t>Cahier des charges</a:t>
             </a:r>
-            <a:endParaRPr b="1">
+            <a:endParaRPr b="1" dirty="0">
               <a:latin typeface="Montserrat"/>
               <a:ea typeface="Montserrat"/>
               <a:cs typeface="Montserrat"/>
@@ -20497,8 +20497,8 @@
         </p:nvGrpSpPr>
         <p:grpSpPr>
           <a:xfrm>
-            <a:off x="203200" y="2335022"/>
-            <a:ext cx="9271000" cy="4295579"/>
+            <a:off x="2950590" y="2195410"/>
+            <a:ext cx="7871643" cy="4295579"/>
             <a:chOff x="2032000" y="2250181"/>
             <a:chExt cx="9271000" cy="4295579"/>
           </a:xfrm>
@@ -20516,7 +20516,7 @@
             <p:nvPr>
               <p:extLst>
                 <p:ext uri="{D42A27DB-BD31-4B8C-83A1-F6EECF244321}">
-                  <p14:modId xmlns:p14="http://schemas.microsoft.com/office/powerpoint/2010/main" val="831617885"/>
+                  <p14:modId xmlns:p14="http://schemas.microsoft.com/office/powerpoint/2010/main" val="641731006"/>
                 </p:ext>
               </p:extLst>
             </p:nvPr>
@@ -20626,6 +20626,378 @@
           </p:txBody>
         </p:sp>
       </p:grpSp>
+      <p:grpSp>
+        <p:nvGrpSpPr>
+          <p:cNvPr id="7" name="Groupe 6">
+            <a:extLst>
+              <a:ext uri="{FF2B5EF4-FFF2-40B4-BE49-F238E27FC236}">
+                <a16:creationId xmlns:a16="http://schemas.microsoft.com/office/drawing/2014/main" id="{3CC43E3B-E8E4-B226-D893-51E73D36DD2E}"/>
+              </a:ext>
+            </a:extLst>
+          </p:cNvPr>
+          <p:cNvGrpSpPr/>
+          <p:nvPr/>
+        </p:nvGrpSpPr>
+        <p:grpSpPr>
+          <a:xfrm>
+            <a:off x="2838067" y="3095718"/>
+            <a:ext cx="1613909" cy="2640965"/>
+            <a:chOff x="3642502" y="733669"/>
+            <a:chExt cx="1613909" cy="2640965"/>
+          </a:xfrm>
+        </p:grpSpPr>
+        <p:sp>
+          <p:nvSpPr>
+            <p:cNvPr id="10" name="Rectangle : avec coins arrondis en haut 9">
+              <a:extLst>
+                <a:ext uri="{FF2B5EF4-FFF2-40B4-BE49-F238E27FC236}">
+                  <a16:creationId xmlns:a16="http://schemas.microsoft.com/office/drawing/2014/main" id="{5E9AD7EF-4B13-DE15-70D5-FB9E4D415021}"/>
+                </a:ext>
+              </a:extLst>
+            </p:cNvPr>
+            <p:cNvSpPr/>
+            <p:nvPr/>
+          </p:nvSpPr>
+          <p:spPr>
+            <a:xfrm rot="5400000">
+              <a:off x="3128974" y="1247197"/>
+              <a:ext cx="2640965" cy="1613909"/>
+            </a:xfrm>
+            <a:prstGeom prst="round2SameRect">
+              <a:avLst>
+                <a:gd name="adj1" fmla="val 16670"/>
+                <a:gd name="adj2" fmla="val 0"/>
+              </a:avLst>
+            </a:prstGeom>
+          </p:spPr>
+          <p:style>
+            <a:lnRef idx="2">
+              <a:schemeClr val="lt1">
+                <a:hueOff val="0"/>
+                <a:satOff val="0"/>
+                <a:lumOff val="0"/>
+                <a:alphaOff val="0"/>
+              </a:schemeClr>
+            </a:lnRef>
+            <a:fillRef idx="1">
+              <a:schemeClr val="accent1">
+                <a:tint val="50000"/>
+                <a:hueOff val="0"/>
+                <a:satOff val="0"/>
+                <a:lumOff val="0"/>
+                <a:alphaOff val="0"/>
+              </a:schemeClr>
+            </a:fillRef>
+            <a:effectRef idx="0">
+              <a:schemeClr val="accent1">
+                <a:tint val="50000"/>
+                <a:hueOff val="0"/>
+                <a:satOff val="0"/>
+                <a:lumOff val="0"/>
+                <a:alphaOff val="0"/>
+              </a:schemeClr>
+            </a:effectRef>
+            <a:fontRef idx="minor">
+              <a:schemeClr val="lt1">
+                <a:hueOff val="0"/>
+                <a:satOff val="0"/>
+                <a:lumOff val="0"/>
+                <a:alphaOff val="0"/>
+              </a:schemeClr>
+            </a:fontRef>
+          </p:style>
+        </p:sp>
+        <p:sp>
+          <p:nvSpPr>
+            <p:cNvPr id="11" name="Rectangle : avec coins arrondis en haut 6">
+              <a:extLst>
+                <a:ext uri="{FF2B5EF4-FFF2-40B4-BE49-F238E27FC236}">
+                  <a16:creationId xmlns:a16="http://schemas.microsoft.com/office/drawing/2014/main" id="{D960C4D5-52C4-BCB2-A494-145007D869B5}"/>
+                </a:ext>
+              </a:extLst>
+            </p:cNvPr>
+            <p:cNvSpPr txBox="1"/>
+            <p:nvPr/>
+          </p:nvSpPr>
+          <p:spPr>
+            <a:xfrm>
+              <a:off x="3642502" y="812469"/>
+              <a:ext cx="1535110" cy="2483367"/>
+            </a:xfrm>
+            <a:prstGeom prst="rect">
+              <a:avLst/>
+            </a:prstGeom>
+          </p:spPr>
+          <p:style>
+            <a:lnRef idx="0">
+              <a:scrgbClr r="0" g="0" b="0"/>
+            </a:lnRef>
+            <a:fillRef idx="0">
+              <a:scrgbClr r="0" g="0" b="0"/>
+            </a:fillRef>
+            <a:effectRef idx="0">
+              <a:scrgbClr r="0" g="0" b="0"/>
+            </a:effectRef>
+            <a:fontRef idx="minor">
+              <a:schemeClr val="lt1">
+                <a:hueOff val="0"/>
+                <a:satOff val="0"/>
+                <a:lumOff val="0"/>
+                <a:alphaOff val="0"/>
+              </a:schemeClr>
+            </a:fontRef>
+          </p:style>
+          <p:txBody>
+            <a:bodyPr spcFirstLastPara="0" vert="vert270" wrap="square" lIns="125730" tIns="139700" rIns="83820" bIns="139700" numCol="1" spcCol="1270" anchor="ctr" anchorCtr="0">
+              <a:noAutofit/>
+            </a:bodyPr>
+            <a:lstStyle/>
+            <a:p>
+              <a:pPr marL="0" lvl="0" indent="0" algn="ctr" defTabSz="977900">
+                <a:lnSpc>
+                  <a:spcPct val="90000"/>
+                </a:lnSpc>
+                <a:spcBef>
+                  <a:spcPct val="0"/>
+                </a:spcBef>
+                <a:spcAft>
+                  <a:spcPct val="35000"/>
+                </a:spcAft>
+                <a:buNone/>
+              </a:pPr>
+              <a:r>
+                <a:rPr lang="fr-FR" sz="2200" kern="1200" dirty="0">
+                  <a:solidFill>
+                    <a:schemeClr val="tx1"/>
+                  </a:solidFill>
+                </a:rPr>
+                <a:t>Evaluateur </a:t>
+              </a:r>
+              <a:r>
+                <a:rPr lang="fr-FR" sz="2200" kern="1200" dirty="0" err="1">
+                  <a:solidFill>
+                    <a:schemeClr val="tx1"/>
+                  </a:solidFill>
+                </a:rPr>
+                <a:t>Openclassrooms</a:t>
+              </a:r>
+              <a:endParaRPr lang="fr-FR" sz="2200" kern="1200" dirty="0">
+                <a:solidFill>
+                  <a:schemeClr val="tx1"/>
+                </a:solidFill>
+              </a:endParaRPr>
+            </a:p>
+          </p:txBody>
+        </p:sp>
+      </p:grpSp>
+      <p:sp>
+        <p:nvSpPr>
+          <p:cNvPr id="8" name="Flèche : en arc 7">
+            <a:extLst>
+              <a:ext uri="{FF2B5EF4-FFF2-40B4-BE49-F238E27FC236}">
+                <a16:creationId xmlns:a16="http://schemas.microsoft.com/office/drawing/2014/main" id="{895AEE41-03D7-F691-4E24-3B6BB17EA342}"/>
+              </a:ext>
+            </a:extLst>
+          </p:cNvPr>
+          <p:cNvSpPr/>
+          <p:nvPr/>
+        </p:nvSpPr>
+        <p:spPr>
+          <a:xfrm flipH="1">
+            <a:off x="3322320" y="2367854"/>
+            <a:ext cx="2157009" cy="1687112"/>
+          </a:xfrm>
+          <a:prstGeom prst="circularArrow">
+            <a:avLst>
+              <a:gd name="adj1" fmla="val 12500"/>
+              <a:gd name="adj2" fmla="val 1142322"/>
+              <a:gd name="adj3" fmla="val 20457678"/>
+              <a:gd name="adj4" fmla="val 10800000"/>
+              <a:gd name="adj5" fmla="val 12500"/>
+            </a:avLst>
+          </a:prstGeom>
+        </p:spPr>
+        <p:style>
+          <a:lnRef idx="2">
+            <a:schemeClr val="lt1">
+              <a:hueOff val="0"/>
+              <a:satOff val="0"/>
+              <a:lumOff val="0"/>
+              <a:alphaOff val="0"/>
+            </a:schemeClr>
+          </a:lnRef>
+          <a:fillRef idx="1">
+            <a:schemeClr val="accent1">
+              <a:hueOff val="0"/>
+              <a:satOff val="0"/>
+              <a:lumOff val="0"/>
+              <a:alphaOff val="0"/>
+            </a:schemeClr>
+          </a:fillRef>
+          <a:effectRef idx="0">
+            <a:schemeClr val="accent1">
+              <a:hueOff val="0"/>
+              <a:satOff val="0"/>
+              <a:lumOff val="0"/>
+              <a:alphaOff val="0"/>
+            </a:schemeClr>
+          </a:effectRef>
+          <a:fontRef idx="minor">
+            <a:schemeClr val="lt1"/>
+          </a:fontRef>
+        </p:style>
+      </p:sp>
+      <p:sp>
+        <p:nvSpPr>
+          <p:cNvPr id="9" name="Flèche : en arc 8">
+            <a:extLst>
+              <a:ext uri="{FF2B5EF4-FFF2-40B4-BE49-F238E27FC236}">
+                <a16:creationId xmlns:a16="http://schemas.microsoft.com/office/drawing/2014/main" id="{87F65851-4AA6-C227-75C8-5711CEF1C730}"/>
+              </a:ext>
+            </a:extLst>
+          </p:cNvPr>
+          <p:cNvSpPr/>
+          <p:nvPr/>
+        </p:nvSpPr>
+        <p:spPr>
+          <a:xfrm rot="10800000" flipH="1">
+            <a:off x="3290963" y="4777435"/>
+            <a:ext cx="2188366" cy="1687112"/>
+          </a:xfrm>
+          <a:prstGeom prst="circularArrow">
+            <a:avLst>
+              <a:gd name="adj1" fmla="val 12500"/>
+              <a:gd name="adj2" fmla="val 1142322"/>
+              <a:gd name="adj3" fmla="val 20457678"/>
+              <a:gd name="adj4" fmla="val 10800000"/>
+              <a:gd name="adj5" fmla="val 12500"/>
+            </a:avLst>
+          </a:prstGeom>
+        </p:spPr>
+        <p:style>
+          <a:lnRef idx="2">
+            <a:schemeClr val="lt1">
+              <a:hueOff val="0"/>
+              <a:satOff val="0"/>
+              <a:lumOff val="0"/>
+              <a:alphaOff val="0"/>
+            </a:schemeClr>
+          </a:lnRef>
+          <a:fillRef idx="1">
+            <a:schemeClr val="accent1">
+              <a:hueOff val="0"/>
+              <a:satOff val="0"/>
+              <a:lumOff val="0"/>
+              <a:alphaOff val="0"/>
+            </a:schemeClr>
+          </a:fillRef>
+          <a:effectRef idx="0">
+            <a:schemeClr val="accent1">
+              <a:hueOff val="0"/>
+              <a:satOff val="0"/>
+              <a:lumOff val="0"/>
+              <a:alphaOff val="0"/>
+            </a:schemeClr>
+          </a:effectRef>
+          <a:fontRef idx="minor">
+            <a:schemeClr val="lt1"/>
+          </a:fontRef>
+        </p:style>
+      </p:sp>
+      <p:sp>
+        <p:nvSpPr>
+          <p:cNvPr id="14" name="Légende : flèche vers la gauche 13">
+            <a:extLst>
+              <a:ext uri="{FF2B5EF4-FFF2-40B4-BE49-F238E27FC236}">
+                <a16:creationId xmlns:a16="http://schemas.microsoft.com/office/drawing/2014/main" id="{B3F4B1CD-89F0-2C4E-82BC-4DAAEBB71B80}"/>
+              </a:ext>
+            </a:extLst>
+          </p:cNvPr>
+          <p:cNvSpPr/>
+          <p:nvPr/>
+        </p:nvSpPr>
+        <p:spPr>
+          <a:xfrm flipH="1">
+            <a:off x="619760" y="2325963"/>
+            <a:ext cx="2605252" cy="1016000"/>
+          </a:xfrm>
+          <a:prstGeom prst="leftArrowCallout">
+            <a:avLst/>
+          </a:prstGeom>
+        </p:spPr>
+        <p:style>
+          <a:lnRef idx="3">
+            <a:schemeClr val="lt1"/>
+          </a:lnRef>
+          <a:fillRef idx="1">
+            <a:schemeClr val="accent5"/>
+          </a:fillRef>
+          <a:effectRef idx="1">
+            <a:schemeClr val="accent5"/>
+          </a:effectRef>
+          <a:fontRef idx="minor">
+            <a:schemeClr val="lt1"/>
+          </a:fontRef>
+        </p:style>
+        <p:txBody>
+          <a:bodyPr rtlCol="0" anchor="ctr"/>
+          <a:lstStyle/>
+          <a:p>
+            <a:pPr algn="ctr"/>
+            <a:r>
+              <a:rPr lang="fr-FR" dirty="0"/>
+              <a:t>Présente son portfolio</a:t>
+            </a:r>
+          </a:p>
+        </p:txBody>
+      </p:sp>
+      <p:sp>
+        <p:nvSpPr>
+          <p:cNvPr id="15" name="Légende : flèche vers la gauche 14">
+            <a:extLst>
+              <a:ext uri="{FF2B5EF4-FFF2-40B4-BE49-F238E27FC236}">
+                <a16:creationId xmlns:a16="http://schemas.microsoft.com/office/drawing/2014/main" id="{C1113E4A-90EA-FA58-A122-0060B350BED3}"/>
+              </a:ext>
+            </a:extLst>
+          </p:cNvPr>
+          <p:cNvSpPr/>
+          <p:nvPr/>
+        </p:nvSpPr>
+        <p:spPr>
+          <a:xfrm flipH="1">
+            <a:off x="619761" y="5605542"/>
+            <a:ext cx="2605251" cy="1016000"/>
+          </a:xfrm>
+          <a:prstGeom prst="leftArrowCallout">
+            <a:avLst/>
+          </a:prstGeom>
+        </p:spPr>
+        <p:style>
+          <a:lnRef idx="3">
+            <a:schemeClr val="lt1"/>
+          </a:lnRef>
+          <a:fillRef idx="1">
+            <a:schemeClr val="accent5"/>
+          </a:fillRef>
+          <a:effectRef idx="1">
+            <a:schemeClr val="accent5"/>
+          </a:effectRef>
+          <a:fontRef idx="minor">
+            <a:schemeClr val="lt1"/>
+          </a:fontRef>
+        </p:style>
+        <p:txBody>
+          <a:bodyPr rtlCol="0" anchor="ctr"/>
+          <a:lstStyle/>
+          <a:p>
+            <a:pPr algn="ctr"/>
+            <a:r>
+              <a:rPr lang="fr-FR" dirty="0"/>
+              <a:t>Evalue le projet via une soutenance</a:t>
+            </a:r>
+          </a:p>
+        </p:txBody>
+      </p:sp>
     </p:spTree>
   </p:cSld>
   <p:clrMapOvr>
